--- a/PPT/Playtesting.pptx
+++ b/PPT/Playtesting.pptx
@@ -273,7 +273,7 @@
           <a:p>
             <a:fld id="{5E322444-AC78-4D7E-B8B8-5ACC761D4F45}" type="datetimeFigureOut">
               <a:rPr lang="en-US" smtClean="0"/>
-              <a:t>7/18/2021</a:t>
+              <a:t>7/20/2022</a:t>
             </a:fld>
             <a:endParaRPr lang="en-US"/>
           </a:p>
@@ -471,7 +471,7 @@
           <a:p>
             <a:fld id="{5E322444-AC78-4D7E-B8B8-5ACC761D4F45}" type="datetimeFigureOut">
               <a:rPr lang="en-US" smtClean="0"/>
-              <a:t>7/18/2021</a:t>
+              <a:t>7/20/2022</a:t>
             </a:fld>
             <a:endParaRPr lang="en-US"/>
           </a:p>
@@ -679,7 +679,7 @@
           <a:p>
             <a:fld id="{5E322444-AC78-4D7E-B8B8-5ACC761D4F45}" type="datetimeFigureOut">
               <a:rPr lang="en-US" smtClean="0"/>
-              <a:t>7/18/2021</a:t>
+              <a:t>7/20/2022</a:t>
             </a:fld>
             <a:endParaRPr lang="en-US"/>
           </a:p>
@@ -877,7 +877,7 @@
           <a:p>
             <a:fld id="{5E322444-AC78-4D7E-B8B8-5ACC761D4F45}" type="datetimeFigureOut">
               <a:rPr lang="en-US" smtClean="0"/>
-              <a:t>7/18/2021</a:t>
+              <a:t>7/20/2022</a:t>
             </a:fld>
             <a:endParaRPr lang="en-US"/>
           </a:p>
@@ -1152,7 +1152,7 @@
           <a:p>
             <a:fld id="{5E322444-AC78-4D7E-B8B8-5ACC761D4F45}" type="datetimeFigureOut">
               <a:rPr lang="en-US" smtClean="0"/>
-              <a:t>7/18/2021</a:t>
+              <a:t>7/20/2022</a:t>
             </a:fld>
             <a:endParaRPr lang="en-US"/>
           </a:p>
@@ -1417,7 +1417,7 @@
           <a:p>
             <a:fld id="{5E322444-AC78-4D7E-B8B8-5ACC761D4F45}" type="datetimeFigureOut">
               <a:rPr lang="en-US" smtClean="0"/>
-              <a:t>7/18/2021</a:t>
+              <a:t>7/20/2022</a:t>
             </a:fld>
             <a:endParaRPr lang="en-US"/>
           </a:p>
@@ -1829,7 +1829,7 @@
           <a:p>
             <a:fld id="{5E322444-AC78-4D7E-B8B8-5ACC761D4F45}" type="datetimeFigureOut">
               <a:rPr lang="en-US" smtClean="0"/>
-              <a:t>7/18/2021</a:t>
+              <a:t>7/20/2022</a:t>
             </a:fld>
             <a:endParaRPr lang="en-US"/>
           </a:p>
@@ -1970,7 +1970,7 @@
           <a:p>
             <a:fld id="{5E322444-AC78-4D7E-B8B8-5ACC761D4F45}" type="datetimeFigureOut">
               <a:rPr lang="en-US" smtClean="0"/>
-              <a:t>7/18/2021</a:t>
+              <a:t>7/20/2022</a:t>
             </a:fld>
             <a:endParaRPr lang="en-US"/>
           </a:p>
@@ -2083,7 +2083,7 @@
           <a:p>
             <a:fld id="{5E322444-AC78-4D7E-B8B8-5ACC761D4F45}" type="datetimeFigureOut">
               <a:rPr lang="en-US" smtClean="0"/>
-              <a:t>7/18/2021</a:t>
+              <a:t>7/20/2022</a:t>
             </a:fld>
             <a:endParaRPr lang="en-US"/>
           </a:p>
@@ -2394,7 +2394,7 @@
           <a:p>
             <a:fld id="{5E322444-AC78-4D7E-B8B8-5ACC761D4F45}" type="datetimeFigureOut">
               <a:rPr lang="en-US" smtClean="0"/>
-              <a:t>7/18/2021</a:t>
+              <a:t>7/20/2022</a:t>
             </a:fld>
             <a:endParaRPr lang="en-US"/>
           </a:p>
@@ -2682,7 +2682,7 @@
           <a:p>
             <a:fld id="{5E322444-AC78-4D7E-B8B8-5ACC761D4F45}" type="datetimeFigureOut">
               <a:rPr lang="en-US" smtClean="0"/>
-              <a:t>7/18/2021</a:t>
+              <a:t>7/20/2022</a:t>
             </a:fld>
             <a:endParaRPr lang="en-US"/>
           </a:p>
@@ -2923,7 +2923,7 @@
           <a:p>
             <a:fld id="{5E322444-AC78-4D7E-B8B8-5ACC761D4F45}" type="datetimeFigureOut">
               <a:rPr lang="en-US" smtClean="0"/>
-              <a:t>7/18/2021</a:t>
+              <a:t>7/20/2022</a:t>
             </a:fld>
             <a:endParaRPr lang="en-US"/>
           </a:p>
@@ -4222,15 +4222,8 @@
             <a:pPr fontAlgn="ctr"/>
             <a:r>
               <a:rPr lang="en-US" dirty="0"/>
-              <a:t>Feedback: </a:t>
-            </a:r>
-            <a:r>
-              <a:rPr lang="en-US" dirty="0">
-                <a:hlinkClick r:id="rId2"/>
-              </a:rPr>
-              <a:t>Check here</a:t>
-            </a:r>
-            <a:endParaRPr lang="en-US" dirty="0"/>
+              <a:t>Feedback:</a:t>
+            </a:r>
           </a:p>
           <a:p>
             <a:pPr lvl="1" fontAlgn="ctr"/>
@@ -4286,7 +4279,7 @@
                   <a:srgbClr val="FF0000"/>
                 </a:solidFill>
               </a:rPr>
-              <a:t>Wednesday midnight</a:t>
+              <a:t>Friday (Alpha) / Monday (Beta) midnight</a:t>
             </a:r>
           </a:p>
         </p:txBody>
@@ -4324,6 +4317,7 @@
       <p:pic>
         <p:nvPicPr>
           <p:cNvPr id="5" name="Picture 4">
+            <a:hlinkClick r:id="rId2"/>
             <a:extLst>
               <a:ext uri="{FF2B5EF4-FFF2-40B4-BE49-F238E27FC236}">
                 <a16:creationId xmlns:a16="http://schemas.microsoft.com/office/drawing/2014/main" id="{EEAF6E99-2A38-4E0F-8302-E7D17D8C602D}"/>
@@ -4336,7 +4330,7 @@
           <p:nvPr/>
         </p:nvPicPr>
         <p:blipFill>
-          <a:blip r:embed="rId2"/>
+          <a:blip r:embed="rId3"/>
           <a:stretch>
             <a:fillRect/>
           </a:stretch>
@@ -4387,6 +4381,7 @@
       <p:pic>
         <p:nvPicPr>
           <p:cNvPr id="4" name="Content Placeholder 3">
+            <a:hlinkClick r:id="rId4"/>
             <a:extLst>
               <a:ext uri="{FF2B5EF4-FFF2-40B4-BE49-F238E27FC236}">
                 <a16:creationId xmlns:a16="http://schemas.microsoft.com/office/drawing/2014/main" id="{FA69C720-9296-43BC-A088-6B5F239DA4FF}"/>
@@ -4401,7 +4396,7 @@
           </p:nvPr>
         </p:nvPicPr>
         <p:blipFill>
-          <a:blip r:embed="rId3"/>
+          <a:blip r:embed="rId5"/>
           <a:stretch>
             <a:fillRect/>
           </a:stretch>

--- a/PPT/Playtesting.pptx
+++ b/PPT/Playtesting.pptx
@@ -273,7 +273,7 @@
           <a:p>
             <a:fld id="{5E322444-AC78-4D7E-B8B8-5ACC761D4F45}" type="datetimeFigureOut">
               <a:rPr lang="en-US" smtClean="0"/>
-              <a:t>7/20/2022</a:t>
+              <a:t>7/18/2023</a:t>
             </a:fld>
             <a:endParaRPr lang="en-US"/>
           </a:p>
@@ -471,7 +471,7 @@
           <a:p>
             <a:fld id="{5E322444-AC78-4D7E-B8B8-5ACC761D4F45}" type="datetimeFigureOut">
               <a:rPr lang="en-US" smtClean="0"/>
-              <a:t>7/20/2022</a:t>
+              <a:t>7/18/2023</a:t>
             </a:fld>
             <a:endParaRPr lang="en-US"/>
           </a:p>
@@ -679,7 +679,7 @@
           <a:p>
             <a:fld id="{5E322444-AC78-4D7E-B8B8-5ACC761D4F45}" type="datetimeFigureOut">
               <a:rPr lang="en-US" smtClean="0"/>
-              <a:t>7/20/2022</a:t>
+              <a:t>7/18/2023</a:t>
             </a:fld>
             <a:endParaRPr lang="en-US"/>
           </a:p>
@@ -877,7 +877,7 @@
           <a:p>
             <a:fld id="{5E322444-AC78-4D7E-B8B8-5ACC761D4F45}" type="datetimeFigureOut">
               <a:rPr lang="en-US" smtClean="0"/>
-              <a:t>7/20/2022</a:t>
+              <a:t>7/18/2023</a:t>
             </a:fld>
             <a:endParaRPr lang="en-US"/>
           </a:p>
@@ -1152,7 +1152,7 @@
           <a:p>
             <a:fld id="{5E322444-AC78-4D7E-B8B8-5ACC761D4F45}" type="datetimeFigureOut">
               <a:rPr lang="en-US" smtClean="0"/>
-              <a:t>7/20/2022</a:t>
+              <a:t>7/18/2023</a:t>
             </a:fld>
             <a:endParaRPr lang="en-US"/>
           </a:p>
@@ -1417,7 +1417,7 @@
           <a:p>
             <a:fld id="{5E322444-AC78-4D7E-B8B8-5ACC761D4F45}" type="datetimeFigureOut">
               <a:rPr lang="en-US" smtClean="0"/>
-              <a:t>7/20/2022</a:t>
+              <a:t>7/18/2023</a:t>
             </a:fld>
             <a:endParaRPr lang="en-US"/>
           </a:p>
@@ -1829,7 +1829,7 @@
           <a:p>
             <a:fld id="{5E322444-AC78-4D7E-B8B8-5ACC761D4F45}" type="datetimeFigureOut">
               <a:rPr lang="en-US" smtClean="0"/>
-              <a:t>7/20/2022</a:t>
+              <a:t>7/18/2023</a:t>
             </a:fld>
             <a:endParaRPr lang="en-US"/>
           </a:p>
@@ -1970,7 +1970,7 @@
           <a:p>
             <a:fld id="{5E322444-AC78-4D7E-B8B8-5ACC761D4F45}" type="datetimeFigureOut">
               <a:rPr lang="en-US" smtClean="0"/>
-              <a:t>7/20/2022</a:t>
+              <a:t>7/18/2023</a:t>
             </a:fld>
             <a:endParaRPr lang="en-US"/>
           </a:p>
@@ -2083,7 +2083,7 @@
           <a:p>
             <a:fld id="{5E322444-AC78-4D7E-B8B8-5ACC761D4F45}" type="datetimeFigureOut">
               <a:rPr lang="en-US" smtClean="0"/>
-              <a:t>7/20/2022</a:t>
+              <a:t>7/18/2023</a:t>
             </a:fld>
             <a:endParaRPr lang="en-US"/>
           </a:p>
@@ -2394,7 +2394,7 @@
           <a:p>
             <a:fld id="{5E322444-AC78-4D7E-B8B8-5ACC761D4F45}" type="datetimeFigureOut">
               <a:rPr lang="en-US" smtClean="0"/>
-              <a:t>7/20/2022</a:t>
+              <a:t>7/18/2023</a:t>
             </a:fld>
             <a:endParaRPr lang="en-US"/>
           </a:p>
@@ -2682,7 +2682,7 @@
           <a:p>
             <a:fld id="{5E322444-AC78-4D7E-B8B8-5ACC761D4F45}" type="datetimeFigureOut">
               <a:rPr lang="en-US" smtClean="0"/>
-              <a:t>7/20/2022</a:t>
+              <a:t>7/18/2023</a:t>
             </a:fld>
             <a:endParaRPr lang="en-US"/>
           </a:p>
@@ -2923,7 +2923,7 @@
           <a:p>
             <a:fld id="{5E322444-AC78-4D7E-B8B8-5ACC761D4F45}" type="datetimeFigureOut">
               <a:rPr lang="en-US" smtClean="0"/>
-              <a:t>7/20/2022</a:t>
+              <a:t>7/18/2023</a:t>
             </a:fld>
             <a:endParaRPr lang="en-US"/>
           </a:p>
@@ -4005,54 +4005,40 @@
         <p:spPr/>
         <p:txBody>
           <a:bodyPr>
-            <a:normAutofit fontScale="77500" lnSpcReduction="20000"/>
+            <a:normAutofit fontScale="92500" lnSpcReduction="10000"/>
           </a:bodyPr>
           <a:lstStyle/>
           <a:p>
             <a:r>
               <a:rPr lang="en-US" dirty="0"/>
-              <a:t>Zoom team breakout rooms</a:t>
+              <a:t>One team at a time</a:t>
+            </a:r>
+          </a:p>
+          <a:p>
+            <a:r>
+              <a:rPr lang="en-US" dirty="0"/>
+              <a:t>Each Game</a:t>
             </a:r>
           </a:p>
           <a:p>
             <a:pPr lvl="1"/>
             <a:r>
               <a:rPr lang="en-US" dirty="0"/>
-              <a:t>NOTE: Watch the warning, when time, we will close all rooms so we all return to the main room</a:t>
-            </a:r>
-          </a:p>
-          <a:p>
-            <a:r>
-              <a:rPr lang="en-US" dirty="0"/>
-              <a:t>Each Game</a:t>
+              <a:t>Come to the front:</a:t>
+            </a:r>
+          </a:p>
+          <a:p>
+            <a:pPr lvl="2"/>
+            <a:r>
+              <a:rPr lang="en-US" dirty="0"/>
+              <a:t>Developer: VERY quickly, show us how to play your games and brief us on what to note</a:t>
             </a:r>
           </a:p>
           <a:p>
             <a:pPr lvl="1"/>
             <a:r>
               <a:rPr lang="en-US" dirty="0"/>
-              <a:t>In the main room:</a:t>
-            </a:r>
-          </a:p>
-          <a:p>
-            <a:pPr lvl="2"/>
-            <a:r>
-              <a:rPr lang="en-US" dirty="0"/>
-              <a:t>Developer: VERY quickly, show us how to play your games and brief us on what to note</a:t>
-            </a:r>
-          </a:p>
-          <a:p>
-            <a:pPr lvl="1"/>
-            <a:r>
-              <a:rPr lang="en-US" dirty="0"/>
-              <a:t>We all go back to our team breakout room to play (remember think out aloud)</a:t>
-            </a:r>
-          </a:p>
-          <a:p>
-            <a:pPr lvl="2"/>
-            <a:r>
-              <a:rPr lang="en-US" dirty="0"/>
-              <a:t>1 players share playing screen at a time (take turn) </a:t>
+              <a:t>Everyone else (remember think out aloud)</a:t>
             </a:r>
           </a:p>
           <a:p>
@@ -4085,21 +4071,21 @@
             </a:r>
             <a:r>
               <a:rPr lang="en-US" dirty="0"/>
-              <a:t>, post to Chat (can post to specific person if want to)</a:t>
+              <a:t>, raise your hand and ask</a:t>
             </a:r>
           </a:p>
           <a:p>
             <a:pPr lvl="1"/>
             <a:r>
               <a:rPr lang="en-US" dirty="0"/>
-              <a:t>Developers pay attention to the Chat for questions</a:t>
+              <a:t>Developers pay attention to for questions</a:t>
             </a:r>
           </a:p>
           <a:p>
             <a:pPr lvl="2"/>
             <a:r>
               <a:rPr lang="en-US" dirty="0"/>
-              <a:t>Wander between channels to check out how people are playing</a:t>
+              <a:t>Walk around to check out how people are playing</a:t>
             </a:r>
           </a:p>
           <a:p>
@@ -4120,7 +4106,7 @@
           <a:p>
             <a:r>
               <a:rPr lang="en-US" dirty="0"/>
-              <a:t>When time’s up, I will post to Chat and will close all rooms to force everyone back to main room</a:t>
+              <a:t>When time’s up, we switch team</a:t>
             </a:r>
           </a:p>
           <a:p>
@@ -4279,8 +4265,21 @@
                   <a:srgbClr val="FF0000"/>
                 </a:solidFill>
               </a:rPr>
-              <a:t>Friday (Alpha) / Monday (Beta) midnight</a:t>
-            </a:r>
+              <a:t>midnight on the days of </a:t>
+            </a:r>
+            <a:r>
+              <a:rPr lang="en-US" b="1" u="sng">
+                <a:solidFill>
+                  <a:srgbClr val="FF0000"/>
+                </a:solidFill>
+              </a:rPr>
+              <a:t>the testing</a:t>
+            </a:r>
+            <a:endParaRPr lang="en-US" b="1" u="sng" dirty="0">
+              <a:solidFill>
+                <a:srgbClr val="FF0000"/>
+              </a:solidFill>
+            </a:endParaRPr>
           </a:p>
         </p:txBody>
       </p:sp>

--- a/PPT/Playtesting.pptx
+++ b/PPT/Playtesting.pptx
@@ -14,12 +14,13 @@
     <p:sldId id="262" r:id="rId8"/>
     <p:sldId id="263" r:id="rId9"/>
     <p:sldId id="264" r:id="rId10"/>
-    <p:sldId id="265" r:id="rId11"/>
-    <p:sldId id="266" r:id="rId12"/>
-    <p:sldId id="267" r:id="rId13"/>
-    <p:sldId id="269" r:id="rId14"/>
-    <p:sldId id="270" r:id="rId15"/>
-    <p:sldId id="268" r:id="rId16"/>
+    <p:sldId id="271" r:id="rId11"/>
+    <p:sldId id="265" r:id="rId12"/>
+    <p:sldId id="266" r:id="rId13"/>
+    <p:sldId id="267" r:id="rId14"/>
+    <p:sldId id="269" r:id="rId15"/>
+    <p:sldId id="270" r:id="rId16"/>
+    <p:sldId id="268" r:id="rId17"/>
   </p:sldIdLst>
   <p:sldSz cx="12192000" cy="6858000"/>
   <p:notesSz cx="6858000" cy="9144000"/>
@@ -273,7 +274,7 @@
           <a:p>
             <a:fld id="{5E322444-AC78-4D7E-B8B8-5ACC761D4F45}" type="datetimeFigureOut">
               <a:rPr lang="en-US" smtClean="0"/>
-              <a:t>7/18/2023</a:t>
+              <a:t>3/7/2025</a:t>
             </a:fld>
             <a:endParaRPr lang="en-US"/>
           </a:p>
@@ -471,7 +472,7 @@
           <a:p>
             <a:fld id="{5E322444-AC78-4D7E-B8B8-5ACC761D4F45}" type="datetimeFigureOut">
               <a:rPr lang="en-US" smtClean="0"/>
-              <a:t>7/18/2023</a:t>
+              <a:t>3/7/2025</a:t>
             </a:fld>
             <a:endParaRPr lang="en-US"/>
           </a:p>
@@ -679,7 +680,7 @@
           <a:p>
             <a:fld id="{5E322444-AC78-4D7E-B8B8-5ACC761D4F45}" type="datetimeFigureOut">
               <a:rPr lang="en-US" smtClean="0"/>
-              <a:t>7/18/2023</a:t>
+              <a:t>3/7/2025</a:t>
             </a:fld>
             <a:endParaRPr lang="en-US"/>
           </a:p>
@@ -877,7 +878,7 @@
           <a:p>
             <a:fld id="{5E322444-AC78-4D7E-B8B8-5ACC761D4F45}" type="datetimeFigureOut">
               <a:rPr lang="en-US" smtClean="0"/>
-              <a:t>7/18/2023</a:t>
+              <a:t>3/7/2025</a:t>
             </a:fld>
             <a:endParaRPr lang="en-US"/>
           </a:p>
@@ -1152,7 +1153,7 @@
           <a:p>
             <a:fld id="{5E322444-AC78-4D7E-B8B8-5ACC761D4F45}" type="datetimeFigureOut">
               <a:rPr lang="en-US" smtClean="0"/>
-              <a:t>7/18/2023</a:t>
+              <a:t>3/7/2025</a:t>
             </a:fld>
             <a:endParaRPr lang="en-US"/>
           </a:p>
@@ -1417,7 +1418,7 @@
           <a:p>
             <a:fld id="{5E322444-AC78-4D7E-B8B8-5ACC761D4F45}" type="datetimeFigureOut">
               <a:rPr lang="en-US" smtClean="0"/>
-              <a:t>7/18/2023</a:t>
+              <a:t>3/7/2025</a:t>
             </a:fld>
             <a:endParaRPr lang="en-US"/>
           </a:p>
@@ -1829,7 +1830,7 @@
           <a:p>
             <a:fld id="{5E322444-AC78-4D7E-B8B8-5ACC761D4F45}" type="datetimeFigureOut">
               <a:rPr lang="en-US" smtClean="0"/>
-              <a:t>7/18/2023</a:t>
+              <a:t>3/7/2025</a:t>
             </a:fld>
             <a:endParaRPr lang="en-US"/>
           </a:p>
@@ -1970,7 +1971,7 @@
           <a:p>
             <a:fld id="{5E322444-AC78-4D7E-B8B8-5ACC761D4F45}" type="datetimeFigureOut">
               <a:rPr lang="en-US" smtClean="0"/>
-              <a:t>7/18/2023</a:t>
+              <a:t>3/7/2025</a:t>
             </a:fld>
             <a:endParaRPr lang="en-US"/>
           </a:p>
@@ -2083,7 +2084,7 @@
           <a:p>
             <a:fld id="{5E322444-AC78-4D7E-B8B8-5ACC761D4F45}" type="datetimeFigureOut">
               <a:rPr lang="en-US" smtClean="0"/>
-              <a:t>7/18/2023</a:t>
+              <a:t>3/7/2025</a:t>
             </a:fld>
             <a:endParaRPr lang="en-US"/>
           </a:p>
@@ -2394,7 +2395,7 @@
           <a:p>
             <a:fld id="{5E322444-AC78-4D7E-B8B8-5ACC761D4F45}" type="datetimeFigureOut">
               <a:rPr lang="en-US" smtClean="0"/>
-              <a:t>7/18/2023</a:t>
+              <a:t>3/7/2025</a:t>
             </a:fld>
             <a:endParaRPr lang="en-US"/>
           </a:p>
@@ -2682,7 +2683,7 @@
           <a:p>
             <a:fld id="{5E322444-AC78-4D7E-B8B8-5ACC761D4F45}" type="datetimeFigureOut">
               <a:rPr lang="en-US" smtClean="0"/>
-              <a:t>7/18/2023</a:t>
+              <a:t>3/7/2025</a:t>
             </a:fld>
             <a:endParaRPr lang="en-US"/>
           </a:p>
@@ -2923,7 +2924,7 @@
           <a:p>
             <a:fld id="{5E322444-AC78-4D7E-B8B8-5ACC761D4F45}" type="datetimeFigureOut">
               <a:rPr lang="en-US" smtClean="0"/>
-              <a:t>7/18/2023</a:t>
+              <a:t>3/7/2025</a:t>
             </a:fld>
             <a:endParaRPr lang="en-US"/>
           </a:p>
@@ -3441,6 +3442,167 @@
           <p:cNvPr id="2" name="Title 1">
             <a:extLst>
               <a:ext uri="{FF2B5EF4-FFF2-40B4-BE49-F238E27FC236}">
+                <a16:creationId xmlns:a16="http://schemas.microsoft.com/office/drawing/2014/main" id="{27019F03-DC8B-C5BC-4208-4355C8FAA0C4}"/>
+              </a:ext>
+            </a:extLst>
+          </p:cNvPr>
+          <p:cNvSpPr>
+            <a:spLocks noGrp="1"/>
+          </p:cNvSpPr>
+          <p:nvPr>
+            <p:ph type="title"/>
+          </p:nvPr>
+        </p:nvSpPr>
+        <p:spPr/>
+        <p:txBody>
+          <a:bodyPr/>
+          <a:lstStyle/>
+          <a:p>
+            <a:r>
+              <a:rPr lang="en-US" dirty="0"/>
+              <a:t>As a </a:t>
+            </a:r>
+            <a:r>
+              <a:rPr lang="en-US" dirty="0" err="1"/>
+              <a:t>playtester</a:t>
+            </a:r>
+            <a:r>
+              <a:rPr lang="en-US" dirty="0"/>
+              <a:t>: help to improve</a:t>
+            </a:r>
+          </a:p>
+        </p:txBody>
+      </p:sp>
+      <p:sp>
+        <p:nvSpPr>
+          <p:cNvPr id="3" name="Content Placeholder 2">
+            <a:extLst>
+              <a:ext uri="{FF2B5EF4-FFF2-40B4-BE49-F238E27FC236}">
+                <a16:creationId xmlns:a16="http://schemas.microsoft.com/office/drawing/2014/main" id="{97F5FCBC-FA2C-C5CE-5E16-D9981036D805}"/>
+              </a:ext>
+            </a:extLst>
+          </p:cNvPr>
+          <p:cNvSpPr>
+            <a:spLocks noGrp="1"/>
+          </p:cNvSpPr>
+          <p:nvPr>
+            <p:ph idx="1"/>
+          </p:nvPr>
+        </p:nvSpPr>
+        <p:spPr/>
+        <p:txBody>
+          <a:bodyPr/>
+          <a:lstStyle/>
+          <a:p>
+            <a:r>
+              <a:rPr lang="en-US" dirty="0"/>
+              <a:t>Listen to any specific instructions from the developer</a:t>
+            </a:r>
+          </a:p>
+          <a:p>
+            <a:r>
+              <a:rPr lang="en-US" dirty="0"/>
+              <a:t>Play </a:t>
+            </a:r>
+            <a:r>
+              <a:rPr lang="en-US" i="1" dirty="0"/>
+              <a:t>honestly DO NOT</a:t>
+            </a:r>
+            <a:endParaRPr lang="en-US" dirty="0"/>
+          </a:p>
+          <a:p>
+            <a:pPr lvl="1"/>
+            <a:r>
+              <a:rPr lang="en-US" altLang="zh-CN" dirty="0"/>
+              <a:t>Ask for general help</a:t>
+            </a:r>
+            <a:endParaRPr lang="en-US" dirty="0"/>
+          </a:p>
+          <a:p>
+            <a:pPr lvl="1"/>
+            <a:r>
+              <a:rPr lang="en-US" dirty="0"/>
+              <a:t>Exploit obvious bugs</a:t>
+            </a:r>
+          </a:p>
+          <a:p>
+            <a:pPr lvl="1"/>
+            <a:r>
+              <a:rPr lang="en-US" dirty="0"/>
+              <a:t>Look for obvious boundary conditions (unless you are asked)</a:t>
+            </a:r>
+          </a:p>
+          <a:p>
+            <a:r>
+              <a:rPr lang="en-US" dirty="0"/>
+              <a:t>Do:</a:t>
+            </a:r>
+          </a:p>
+          <a:p>
+            <a:pPr lvl="1"/>
+            <a:r>
+              <a:rPr lang="en-US" altLang="zh-CN" dirty="0"/>
+              <a:t>Ask questions (different from help)</a:t>
+            </a:r>
+          </a:p>
+          <a:p>
+            <a:pPr lvl="1"/>
+            <a:r>
+              <a:rPr lang="en-US" dirty="0"/>
+              <a:t>Be objective</a:t>
+            </a:r>
+          </a:p>
+          <a:p>
+            <a:pPr lvl="1"/>
+            <a:r>
+              <a:rPr lang="en-US" dirty="0"/>
+              <a:t>Take notes: what you like and dislike</a:t>
+            </a:r>
+          </a:p>
+          <a:p>
+            <a:pPr lvl="2"/>
+            <a:r>
+              <a:rPr lang="en-US" dirty="0"/>
+              <a:t>Provide suggestions</a:t>
+            </a:r>
+          </a:p>
+        </p:txBody>
+      </p:sp>
+    </p:spTree>
+    <p:extLst>
+      <p:ext uri="{BB962C8B-B14F-4D97-AF65-F5344CB8AC3E}">
+        <p14:creationId xmlns:p14="http://schemas.microsoft.com/office/powerpoint/2010/main" val="2925687883"/>
+      </p:ext>
+    </p:extLst>
+  </p:cSld>
+  <p:clrMapOvr>
+    <a:masterClrMapping/>
+  </p:clrMapOvr>
+</p:sld>
+</file>
+
+<file path=ppt/slides/slide11.xml><?xml version="1.0" encoding="utf-8"?>
+<p:sld xmlns:a="http://schemas.openxmlformats.org/drawingml/2006/main" xmlns:r="http://schemas.openxmlformats.org/officeDocument/2006/relationships" xmlns:p="http://schemas.openxmlformats.org/presentationml/2006/main">
+  <p:cSld>
+    <p:spTree>
+      <p:nvGrpSpPr>
+        <p:cNvPr id="1" name=""/>
+        <p:cNvGrpSpPr/>
+        <p:nvPr/>
+      </p:nvGrpSpPr>
+      <p:grpSpPr>
+        <a:xfrm>
+          <a:off x="0" y="0"/>
+          <a:ext cx="0" cy="0"/>
+          <a:chOff x="0" y="0"/>
+          <a:chExt cx="0" cy="0"/>
+        </a:xfrm>
+      </p:grpSpPr>
+      <p:sp>
+        <p:nvSpPr>
+          <p:cNvPr id="2" name="Title 1">
+            <a:extLst>
+              <a:ext uri="{FF2B5EF4-FFF2-40B4-BE49-F238E27FC236}">
                 <a16:creationId xmlns:a16="http://schemas.microsoft.com/office/drawing/2014/main" id="{26BB18A2-CF10-4F6B-9D42-EDA255A76665}"/>
               </a:ext>
             </a:extLst>
@@ -3609,7 +3771,7 @@
 </p:sld>
 </file>
 
-<file path=ppt/slides/slide11.xml><?xml version="1.0" encoding="utf-8"?>
+<file path=ppt/slides/slide12.xml><?xml version="1.0" encoding="utf-8"?>
 <p:sld xmlns:a="http://schemas.openxmlformats.org/drawingml/2006/main" xmlns:r="http://schemas.openxmlformats.org/officeDocument/2006/relationships" xmlns:p="http://schemas.openxmlformats.org/presentationml/2006/main">
   <p:cSld>
     <p:spTree>
@@ -3941,197 +4103,6 @@
 </p:sld>
 </file>
 
-<file path=ppt/slides/slide12.xml><?xml version="1.0" encoding="utf-8"?>
-<p:sld xmlns:a="http://schemas.openxmlformats.org/drawingml/2006/main" xmlns:r="http://schemas.openxmlformats.org/officeDocument/2006/relationships" xmlns:p="http://schemas.openxmlformats.org/presentationml/2006/main">
-  <p:cSld>
-    <p:spTree>
-      <p:nvGrpSpPr>
-        <p:cNvPr id="1" name=""/>
-        <p:cNvGrpSpPr/>
-        <p:nvPr/>
-      </p:nvGrpSpPr>
-      <p:grpSpPr>
-        <a:xfrm>
-          <a:off x="0" y="0"/>
-          <a:ext cx="0" cy="0"/>
-          <a:chOff x="0" y="0"/>
-          <a:chExt cx="0" cy="0"/>
-        </a:xfrm>
-      </p:grpSpPr>
-      <p:sp>
-        <p:nvSpPr>
-          <p:cNvPr id="2" name="Title 1">
-            <a:extLst>
-              <a:ext uri="{FF2B5EF4-FFF2-40B4-BE49-F238E27FC236}">
-                <a16:creationId xmlns:a16="http://schemas.microsoft.com/office/drawing/2014/main" id="{022481B9-D2A9-499E-9514-EC360E321D85}"/>
-              </a:ext>
-            </a:extLst>
-          </p:cNvPr>
-          <p:cNvSpPr>
-            <a:spLocks noGrp="1"/>
-          </p:cNvSpPr>
-          <p:nvPr>
-            <p:ph type="title"/>
-          </p:nvPr>
-        </p:nvSpPr>
-        <p:spPr/>
-        <p:txBody>
-          <a:bodyPr/>
-          <a:lstStyle/>
-          <a:p>
-            <a:r>
-              <a:rPr lang="en-US" dirty="0"/>
-              <a:t>In our case …</a:t>
-            </a:r>
-          </a:p>
-        </p:txBody>
-      </p:sp>
-      <p:sp>
-        <p:nvSpPr>
-          <p:cNvPr id="3" name="Content Placeholder 2">
-            <a:extLst>
-              <a:ext uri="{FF2B5EF4-FFF2-40B4-BE49-F238E27FC236}">
-                <a16:creationId xmlns:a16="http://schemas.microsoft.com/office/drawing/2014/main" id="{BDE04F98-B712-445C-BB3A-F7D6F263337C}"/>
-              </a:ext>
-            </a:extLst>
-          </p:cNvPr>
-          <p:cNvSpPr>
-            <a:spLocks noGrp="1"/>
-          </p:cNvSpPr>
-          <p:nvPr>
-            <p:ph idx="1"/>
-          </p:nvPr>
-        </p:nvSpPr>
-        <p:spPr/>
-        <p:txBody>
-          <a:bodyPr>
-            <a:normAutofit fontScale="92500" lnSpcReduction="10000"/>
-          </a:bodyPr>
-          <a:lstStyle/>
-          <a:p>
-            <a:r>
-              <a:rPr lang="en-US" dirty="0"/>
-              <a:t>One team at a time</a:t>
-            </a:r>
-          </a:p>
-          <a:p>
-            <a:r>
-              <a:rPr lang="en-US" dirty="0"/>
-              <a:t>Each Game</a:t>
-            </a:r>
-          </a:p>
-          <a:p>
-            <a:pPr lvl="1"/>
-            <a:r>
-              <a:rPr lang="en-US" dirty="0"/>
-              <a:t>Come to the front:</a:t>
-            </a:r>
-          </a:p>
-          <a:p>
-            <a:pPr lvl="2"/>
-            <a:r>
-              <a:rPr lang="en-US" dirty="0"/>
-              <a:t>Developer: VERY quickly, show us how to play your games and brief us on what to note</a:t>
-            </a:r>
-          </a:p>
-          <a:p>
-            <a:pPr lvl="1"/>
-            <a:r>
-              <a:rPr lang="en-US" dirty="0"/>
-              <a:t>Everyone else (remember think out aloud)</a:t>
-            </a:r>
-          </a:p>
-          <a:p>
-            <a:pPr lvl="2"/>
-            <a:r>
-              <a:rPr lang="en-US" dirty="0"/>
-              <a:t>At least one </a:t>
-            </a:r>
-            <a:r>
-              <a:rPr lang="en-US" b="1" i="1" u="sng" dirty="0"/>
-              <a:t>take notes </a:t>
-            </a:r>
-            <a:r>
-              <a:rPr lang="en-US" dirty="0"/>
-              <a:t>to post feedback</a:t>
-            </a:r>
-          </a:p>
-          <a:p>
-            <a:pPr lvl="2"/>
-            <a:r>
-              <a:rPr lang="en-US" dirty="0"/>
-              <a:t>Remember to post your feedback</a:t>
-            </a:r>
-          </a:p>
-          <a:p>
-            <a:pPr lvl="2"/>
-            <a:r>
-              <a:rPr lang="en-US" b="1" i="1" dirty="0"/>
-              <a:t>When question</a:t>
-            </a:r>
-            <a:r>
-              <a:rPr lang="en-US" dirty="0"/>
-              <a:t>, raise your hand and ask</a:t>
-            </a:r>
-          </a:p>
-          <a:p>
-            <a:pPr lvl="1"/>
-            <a:r>
-              <a:rPr lang="en-US" dirty="0"/>
-              <a:t>Developers pay attention to for questions</a:t>
-            </a:r>
-          </a:p>
-          <a:p>
-            <a:pPr lvl="2"/>
-            <a:r>
-              <a:rPr lang="en-US" dirty="0"/>
-              <a:t>Walk around to check out how people are playing</a:t>
-            </a:r>
-          </a:p>
-          <a:p>
-            <a:pPr lvl="2"/>
-            <a:r>
-              <a:rPr lang="en-US" b="1" i="1" u="sng" dirty="0"/>
-              <a:t>Take notes</a:t>
-            </a:r>
-            <a:r>
-              <a:rPr lang="en-US" b="1" dirty="0"/>
-              <a:t>!! </a:t>
-            </a:r>
-            <a:r>
-              <a:rPr lang="en-US" dirty="0"/>
-              <a:t>(on all relevant information)</a:t>
-            </a:r>
-          </a:p>
-          <a:p>
-            <a:r>
-              <a:rPr lang="en-US" dirty="0"/>
-              <a:t>When time’s up, we switch team</a:t>
-            </a:r>
-          </a:p>
-          <a:p>
-            <a:pPr lvl="2"/>
-            <a:endParaRPr lang="en-US" dirty="0"/>
-          </a:p>
-          <a:p>
-            <a:pPr lvl="2"/>
-            <a:endParaRPr lang="en-US" dirty="0"/>
-          </a:p>
-        </p:txBody>
-      </p:sp>
-    </p:spTree>
-    <p:extLst>
-      <p:ext uri="{BB962C8B-B14F-4D97-AF65-F5344CB8AC3E}">
-        <p14:creationId xmlns:p14="http://schemas.microsoft.com/office/powerpoint/2010/main" val="950277913"/>
-      </p:ext>
-    </p:extLst>
-  </p:cSld>
-  <p:clrMapOvr>
-    <a:masterClrMapping/>
-  </p:clrMapOvr>
-</p:sld>
-</file>
-
 <file path=ppt/slides/slide13.xml><?xml version="1.0" encoding="utf-8"?>
 <p:sld xmlns:a="http://schemas.openxmlformats.org/drawingml/2006/main" xmlns:r="http://schemas.openxmlformats.org/officeDocument/2006/relationships" xmlns:p="http://schemas.openxmlformats.org/presentationml/2006/main">
   <p:cSld>
@@ -4154,6 +4125,197 @@
           <p:cNvPr id="2" name="Title 1">
             <a:extLst>
               <a:ext uri="{FF2B5EF4-FFF2-40B4-BE49-F238E27FC236}">
+                <a16:creationId xmlns:a16="http://schemas.microsoft.com/office/drawing/2014/main" id="{022481B9-D2A9-499E-9514-EC360E321D85}"/>
+              </a:ext>
+            </a:extLst>
+          </p:cNvPr>
+          <p:cNvSpPr>
+            <a:spLocks noGrp="1"/>
+          </p:cNvSpPr>
+          <p:nvPr>
+            <p:ph type="title"/>
+          </p:nvPr>
+        </p:nvSpPr>
+        <p:spPr/>
+        <p:txBody>
+          <a:bodyPr/>
+          <a:lstStyle/>
+          <a:p>
+            <a:r>
+              <a:rPr lang="en-US" dirty="0"/>
+              <a:t>In our case …</a:t>
+            </a:r>
+          </a:p>
+        </p:txBody>
+      </p:sp>
+      <p:sp>
+        <p:nvSpPr>
+          <p:cNvPr id="3" name="Content Placeholder 2">
+            <a:extLst>
+              <a:ext uri="{FF2B5EF4-FFF2-40B4-BE49-F238E27FC236}">
+                <a16:creationId xmlns:a16="http://schemas.microsoft.com/office/drawing/2014/main" id="{BDE04F98-B712-445C-BB3A-F7D6F263337C}"/>
+              </a:ext>
+            </a:extLst>
+          </p:cNvPr>
+          <p:cNvSpPr>
+            <a:spLocks noGrp="1"/>
+          </p:cNvSpPr>
+          <p:nvPr>
+            <p:ph idx="1"/>
+          </p:nvPr>
+        </p:nvSpPr>
+        <p:spPr/>
+        <p:txBody>
+          <a:bodyPr>
+            <a:normAutofit fontScale="92500" lnSpcReduction="10000"/>
+          </a:bodyPr>
+          <a:lstStyle/>
+          <a:p>
+            <a:r>
+              <a:rPr lang="en-US" dirty="0"/>
+              <a:t>One team at a time</a:t>
+            </a:r>
+          </a:p>
+          <a:p>
+            <a:r>
+              <a:rPr lang="en-US" dirty="0"/>
+              <a:t>Each Game</a:t>
+            </a:r>
+          </a:p>
+          <a:p>
+            <a:pPr lvl="1"/>
+            <a:r>
+              <a:rPr lang="en-US" dirty="0"/>
+              <a:t>Come to the front:</a:t>
+            </a:r>
+          </a:p>
+          <a:p>
+            <a:pPr lvl="2"/>
+            <a:r>
+              <a:rPr lang="en-US" dirty="0"/>
+              <a:t>Developer: VERY quickly, show us how to play your games and brief us on what to note</a:t>
+            </a:r>
+          </a:p>
+          <a:p>
+            <a:pPr lvl="1"/>
+            <a:r>
+              <a:rPr lang="en-US" dirty="0"/>
+              <a:t>Everyone else (remember think out aloud)</a:t>
+            </a:r>
+          </a:p>
+          <a:p>
+            <a:pPr lvl="2"/>
+            <a:r>
+              <a:rPr lang="en-US" dirty="0"/>
+              <a:t>At least one </a:t>
+            </a:r>
+            <a:r>
+              <a:rPr lang="en-US" b="1" i="1" u="sng" dirty="0"/>
+              <a:t>take notes </a:t>
+            </a:r>
+            <a:r>
+              <a:rPr lang="en-US" dirty="0"/>
+              <a:t>to post feedback</a:t>
+            </a:r>
+          </a:p>
+          <a:p>
+            <a:pPr lvl="2"/>
+            <a:r>
+              <a:rPr lang="en-US" dirty="0"/>
+              <a:t>Remember to post your feedback</a:t>
+            </a:r>
+          </a:p>
+          <a:p>
+            <a:pPr lvl="2"/>
+            <a:r>
+              <a:rPr lang="en-US" b="1" i="1" dirty="0"/>
+              <a:t>When question</a:t>
+            </a:r>
+            <a:r>
+              <a:rPr lang="en-US" dirty="0"/>
+              <a:t>, raise your hand and ask</a:t>
+            </a:r>
+          </a:p>
+          <a:p>
+            <a:pPr lvl="1"/>
+            <a:r>
+              <a:rPr lang="en-US" dirty="0"/>
+              <a:t>Developers pay attention to for questions</a:t>
+            </a:r>
+          </a:p>
+          <a:p>
+            <a:pPr lvl="2"/>
+            <a:r>
+              <a:rPr lang="en-US" dirty="0"/>
+              <a:t>Walk around to check out how people are playing</a:t>
+            </a:r>
+          </a:p>
+          <a:p>
+            <a:pPr lvl="2"/>
+            <a:r>
+              <a:rPr lang="en-US" b="1" i="1" u="sng" dirty="0"/>
+              <a:t>Take notes</a:t>
+            </a:r>
+            <a:r>
+              <a:rPr lang="en-US" b="1" dirty="0"/>
+              <a:t>!! </a:t>
+            </a:r>
+            <a:r>
+              <a:rPr lang="en-US" dirty="0"/>
+              <a:t>(on all relevant information)</a:t>
+            </a:r>
+          </a:p>
+          <a:p>
+            <a:r>
+              <a:rPr lang="en-US" dirty="0"/>
+              <a:t>When time’s up, we switch team</a:t>
+            </a:r>
+          </a:p>
+          <a:p>
+            <a:pPr lvl="2"/>
+            <a:endParaRPr lang="en-US" dirty="0"/>
+          </a:p>
+          <a:p>
+            <a:pPr lvl="2"/>
+            <a:endParaRPr lang="en-US" dirty="0"/>
+          </a:p>
+        </p:txBody>
+      </p:sp>
+    </p:spTree>
+    <p:extLst>
+      <p:ext uri="{BB962C8B-B14F-4D97-AF65-F5344CB8AC3E}">
+        <p14:creationId xmlns:p14="http://schemas.microsoft.com/office/powerpoint/2010/main" val="950277913"/>
+      </p:ext>
+    </p:extLst>
+  </p:cSld>
+  <p:clrMapOvr>
+    <a:masterClrMapping/>
+  </p:clrMapOvr>
+</p:sld>
+</file>
+
+<file path=ppt/slides/slide14.xml><?xml version="1.0" encoding="utf-8"?>
+<p:sld xmlns:a="http://schemas.openxmlformats.org/drawingml/2006/main" xmlns:r="http://schemas.openxmlformats.org/officeDocument/2006/relationships" xmlns:p="http://schemas.openxmlformats.org/presentationml/2006/main">
+  <p:cSld>
+    <p:spTree>
+      <p:nvGrpSpPr>
+        <p:cNvPr id="1" name=""/>
+        <p:cNvGrpSpPr/>
+        <p:nvPr/>
+      </p:nvGrpSpPr>
+      <p:grpSpPr>
+        <a:xfrm>
+          <a:off x="0" y="0"/>
+          <a:ext cx="0" cy="0"/>
+          <a:chOff x="0" y="0"/>
+          <a:chExt cx="0" cy="0"/>
+        </a:xfrm>
+      </p:grpSpPr>
+      <p:sp>
+        <p:nvSpPr>
+          <p:cNvPr id="2" name="Title 1">
+            <a:extLst>
+              <a:ext uri="{FF2B5EF4-FFF2-40B4-BE49-F238E27FC236}">
                 <a16:creationId xmlns:a16="http://schemas.microsoft.com/office/drawing/2014/main" id="{A6985717-7285-4E47-9A57-B13BC5BF4F4F}"/>
               </a:ext>
             </a:extLst>
@@ -4296,7 +4458,7 @@
 </p:sld>
 </file>
 
-<file path=ppt/slides/slide14.xml><?xml version="1.0" encoding="utf-8"?>
+<file path=ppt/slides/slide15.xml><?xml version="1.0" encoding="utf-8"?>
 <p:sld xmlns:a="http://schemas.openxmlformats.org/drawingml/2006/main" xmlns:r="http://schemas.openxmlformats.org/officeDocument/2006/relationships" xmlns:p="http://schemas.openxmlformats.org/presentationml/2006/main">
   <p:cSld>
     <p:spTree>
@@ -4428,7 +4590,7 @@
 </p:sld>
 </file>
 
-<file path=ppt/slides/slide15.xml><?xml version="1.0" encoding="utf-8"?>
+<file path=ppt/slides/slide16.xml><?xml version="1.0" encoding="utf-8"?>
 <p:sld xmlns:a="http://schemas.openxmlformats.org/drawingml/2006/main" xmlns:r="http://schemas.openxmlformats.org/officeDocument/2006/relationships" xmlns:p="http://schemas.openxmlformats.org/presentationml/2006/main">
   <p:cSld>
     <p:spTree>
@@ -5567,7 +5729,7 @@
           <a:p>
             <a:r>
               <a:rPr lang="en-US" dirty="0"/>
-              <a:t>As developer/designer …</a:t>
+              <a:t>As developer: look for room to improve</a:t>
             </a:r>
           </a:p>
         </p:txBody>
